--- a/Presentation/chris_pres_rsp.pptx
+++ b/Presentation/chris_pres_rsp.pptx
@@ -352,7 +352,7 @@
           <a:noFill/>
           <a:extLst>
             <a:ext uri="{909E8E84-426E-40dd-AFC4-6F175D3DCCD1}">
-              <a14:hiddenFill xmlns:a14="http://schemas.microsoft.com/office/drawing/2010/main" xmlns="">
+              <a14:hiddenFill xmlns="" xmlns:a14="http://schemas.microsoft.com/office/drawing/2010/main">
                 <a:solidFill>
                   <a:srgbClr val="FFFFFF"/>
                 </a:solidFill>
@@ -386,7 +386,7 @@
           <a:effectLst/>
           <a:extLst>
             <a:ext uri="{91240B29-F687-4f45-9708-019B960494DF}">
-              <a14:hiddenLine xmlns:a14="http://schemas.microsoft.com/office/drawing/2010/main" xmlns="" w="9525">
+              <a14:hiddenLine xmlns="" xmlns:a14="http://schemas.microsoft.com/office/drawing/2010/main" w="9525">
                 <a:solidFill>
                   <a:schemeClr val="tx1"/>
                 </a:solidFill>
@@ -396,7 +396,7 @@
               </a14:hiddenLine>
             </a:ext>
             <a:ext uri="{AF507438-7753-43e0-B8FC-AC1667EBCBE1}">
-              <a14:hiddenEffects xmlns:a14="http://schemas.microsoft.com/office/drawing/2010/main" xmlns="">
+              <a14:hiddenEffects xmlns="" xmlns:a14="http://schemas.microsoft.com/office/drawing/2010/main">
                 <a:effectLst>
                   <a:outerShdw dist="35921" dir="2700000" algn="ctr" rotWithShape="0">
                     <a:schemeClr val="bg2"/>
@@ -442,12 +442,12 @@
           <a:effectLst/>
           <a:extLst>
             <a:ext uri="{909E8E84-426E-40dd-AFC4-6F175D3DCCD1}">
-              <a14:hiddenFill xmlns:a14="http://schemas.microsoft.com/office/drawing/2010/main" xmlns="">
+              <a14:hiddenFill xmlns="" xmlns:a14="http://schemas.microsoft.com/office/drawing/2010/main">
                 <a:noFill/>
               </a14:hiddenFill>
             </a:ext>
             <a:ext uri="{AF507438-7753-43e0-B8FC-AC1667EBCBE1}">
-              <a14:hiddenEffects xmlns:a14="http://schemas.microsoft.com/office/drawing/2010/main" xmlns="">
+              <a14:hiddenEffects xmlns="" xmlns:a14="http://schemas.microsoft.com/office/drawing/2010/main">
                 <a:effectLst>
                   <a:outerShdw dist="35921" dir="2700000" algn="ctr" rotWithShape="0">
                     <a:schemeClr val="bg2"/>
@@ -493,12 +493,12 @@
           <a:effectLst/>
           <a:extLst>
             <a:ext uri="{909E8E84-426E-40dd-AFC4-6F175D3DCCD1}">
-              <a14:hiddenFill xmlns:a14="http://schemas.microsoft.com/office/drawing/2010/main" xmlns="">
+              <a14:hiddenFill xmlns="" xmlns:a14="http://schemas.microsoft.com/office/drawing/2010/main">
                 <a:noFill/>
               </a14:hiddenFill>
             </a:ext>
             <a:ext uri="{AF507438-7753-43e0-B8FC-AC1667EBCBE1}">
-              <a14:hiddenEffects xmlns:a14="http://schemas.microsoft.com/office/drawing/2010/main" xmlns="">
+              <a14:hiddenEffects xmlns="" xmlns:a14="http://schemas.microsoft.com/office/drawing/2010/main">
                 <a:effectLst>
                   <a:outerShdw dist="35921" dir="2700000" algn="ctr" rotWithShape="0">
                     <a:schemeClr val="bg2"/>
@@ -544,12 +544,12 @@
           <a:effectLst/>
           <a:extLst>
             <a:ext uri="{909E8E84-426E-40dd-AFC4-6F175D3DCCD1}">
-              <a14:hiddenFill xmlns:a14="http://schemas.microsoft.com/office/drawing/2010/main" xmlns="">
+              <a14:hiddenFill xmlns="" xmlns:a14="http://schemas.microsoft.com/office/drawing/2010/main">
                 <a:noFill/>
               </a14:hiddenFill>
             </a:ext>
             <a:ext uri="{AF507438-7753-43e0-B8FC-AC1667EBCBE1}">
-              <a14:hiddenEffects xmlns:a14="http://schemas.microsoft.com/office/drawing/2010/main" xmlns="">
+              <a14:hiddenEffects xmlns="" xmlns:a14="http://schemas.microsoft.com/office/drawing/2010/main">
                 <a:effectLst>
                   <a:outerShdw dist="35921" dir="2700000" algn="ctr" rotWithShape="0">
                     <a:schemeClr val="bg2"/>
@@ -969,7 +969,7 @@
           <a:effectLst/>
           <a:extLst>
             <a:ext uri="{91240B29-F687-4f45-9708-019B960494DF}">
-              <a14:hiddenLine xmlns:a14="http://schemas.microsoft.com/office/drawing/2010/main" xmlns="" w="9525">
+              <a14:hiddenLine xmlns="" xmlns:a14="http://schemas.microsoft.com/office/drawing/2010/main" w="9525">
                 <a:solidFill>
                   <a:schemeClr val="tx1"/>
                 </a:solidFill>
@@ -979,7 +979,7 @@
               </a14:hiddenLine>
             </a:ext>
             <a:ext uri="{AF507438-7753-43e0-B8FC-AC1667EBCBE1}">
-              <a14:hiddenEffects xmlns:a14="http://schemas.microsoft.com/office/drawing/2010/main" xmlns="">
+              <a14:hiddenEffects xmlns="" xmlns:a14="http://schemas.microsoft.com/office/drawing/2010/main">
                 <a:effectLst>
                   <a:outerShdw dist="35921" dir="2700000" algn="ctr" rotWithShape="0">
                     <a:schemeClr val="bg2"/>
@@ -1022,7 +1022,7 @@
           </a:ln>
           <a:extLst>
             <a:ext uri="{91240B29-F687-4f45-9708-019B960494DF}">
-              <a14:hiddenLine xmlns:a14="http://schemas.microsoft.com/office/drawing/2010/main" xmlns="" w="3175">
+              <a14:hiddenLine xmlns="" xmlns:a14="http://schemas.microsoft.com/office/drawing/2010/main" w="3175">
                 <a:solidFill>
                   <a:srgbClr val="B5B5B5"/>
                 </a:solidFill>
@@ -1076,14 +1076,14 @@
           </a:ln>
           <a:extLst>
             <a:ext uri="{909E8E84-426E-40dd-AFC4-6F175D3DCCD1}">
-              <a14:hiddenFill xmlns:a14="http://schemas.microsoft.com/office/drawing/2010/main" xmlns="">
+              <a14:hiddenFill xmlns="" xmlns:a14="http://schemas.microsoft.com/office/drawing/2010/main">
                 <a:solidFill>
                   <a:srgbClr val="FFFFFF"/>
                 </a:solidFill>
               </a14:hiddenFill>
             </a:ext>
             <a:ext uri="{91240B29-F687-4f45-9708-019B960494DF}">
-              <a14:hiddenLine xmlns:a14="http://schemas.microsoft.com/office/drawing/2010/main" xmlns="" w="9525">
+              <a14:hiddenLine xmlns="" xmlns:a14="http://schemas.microsoft.com/office/drawing/2010/main" w="9525">
                 <a:solidFill>
                   <a:srgbClr val="000000"/>
                 </a:solidFill>
@@ -1120,7 +1120,7 @@
           <a:effectLst/>
           <a:extLst>
             <a:ext uri="{91240B29-F687-4f45-9708-019B960494DF}">
-              <a14:hiddenLine xmlns:a14="http://schemas.microsoft.com/office/drawing/2010/main" xmlns="" w="9525">
+              <a14:hiddenLine xmlns="" xmlns:a14="http://schemas.microsoft.com/office/drawing/2010/main" w="9525">
                 <a:solidFill>
                   <a:schemeClr val="tx1"/>
                 </a:solidFill>
@@ -1130,7 +1130,7 @@
               </a14:hiddenLine>
             </a:ext>
             <a:ext uri="{AF507438-7753-43e0-B8FC-AC1667EBCBE1}">
-              <a14:hiddenEffects xmlns:a14="http://schemas.microsoft.com/office/drawing/2010/main" xmlns="">
+              <a14:hiddenEffects xmlns="" xmlns:a14="http://schemas.microsoft.com/office/drawing/2010/main">
                 <a:effectLst>
                   <a:outerShdw dist="35921" dir="2700000" algn="ctr" rotWithShape="0">
                     <a:schemeClr val="bg2"/>
@@ -3119,14 +3119,14 @@
           <a:effectLst/>
           <a:extLst>
             <a:ext uri="{909E8E84-426E-40dd-AFC4-6F175D3DCCD1}">
-              <a14:hiddenFill xmlns:a14="http://schemas.microsoft.com/office/drawing/2010/main" xmlns="">
+              <a14:hiddenFill xmlns="" xmlns:a14="http://schemas.microsoft.com/office/drawing/2010/main">
                 <a:solidFill>
                   <a:srgbClr val="E9503E"/>
                 </a:solidFill>
               </a14:hiddenFill>
             </a:ext>
             <a:ext uri="{91240B29-F687-4f45-9708-019B960494DF}">
-              <a14:hiddenLine xmlns:a14="http://schemas.microsoft.com/office/drawing/2010/main" xmlns="" w="9525">
+              <a14:hiddenLine xmlns="" xmlns:a14="http://schemas.microsoft.com/office/drawing/2010/main" w="9525">
                 <a:solidFill>
                   <a:schemeClr val="tx1"/>
                 </a:solidFill>
@@ -3136,7 +3136,7 @@
               </a14:hiddenLine>
             </a:ext>
             <a:ext uri="{AF507438-7753-43e0-B8FC-AC1667EBCBE1}">
-              <a14:hiddenEffects xmlns:a14="http://schemas.microsoft.com/office/drawing/2010/main" xmlns="">
+              <a14:hiddenEffects xmlns="" xmlns:a14="http://schemas.microsoft.com/office/drawing/2010/main">
                 <a:effectLst>
                   <a:outerShdw dist="35921" dir="2700000" algn="ctr" rotWithShape="0">
                     <a:schemeClr val="bg2"/>
@@ -3181,7 +3181,7 @@
           </a:ln>
           <a:extLst>
             <a:ext uri="{909E8E84-426E-40dd-AFC4-6F175D3DCCD1}">
-              <a14:hiddenFill xmlns:a14="http://schemas.microsoft.com/office/drawing/2010/main" xmlns="">
+              <a14:hiddenFill xmlns="" xmlns:a14="http://schemas.microsoft.com/office/drawing/2010/main">
                 <a:noFill/>
               </a14:hiddenFill>
             </a:ext>
@@ -3222,7 +3222,7 @@
           </a:ln>
           <a:extLst>
             <a:ext uri="{909E8E84-426E-40dd-AFC4-6F175D3DCCD1}">
-              <a14:hiddenFill xmlns:a14="http://schemas.microsoft.com/office/drawing/2010/main" xmlns="">
+              <a14:hiddenFill xmlns="" xmlns:a14="http://schemas.microsoft.com/office/drawing/2010/main">
                 <a:noFill/>
               </a14:hiddenFill>
             </a:ext>
@@ -3260,7 +3260,7 @@
           </a:ln>
           <a:extLst>
             <a:ext uri="{91240B29-F687-4f45-9708-019B960494DF}">
-              <a14:hiddenLine xmlns:a14="http://schemas.microsoft.com/office/drawing/2010/main" xmlns="" w="3175">
+              <a14:hiddenLine xmlns="" xmlns:a14="http://schemas.microsoft.com/office/drawing/2010/main" w="3175">
                 <a:solidFill>
                   <a:srgbClr val="B5B5B5"/>
                 </a:solidFill>
@@ -3314,14 +3314,14 @@
           </a:ln>
           <a:extLst>
             <a:ext uri="{909E8E84-426E-40dd-AFC4-6F175D3DCCD1}">
-              <a14:hiddenFill xmlns:a14="http://schemas.microsoft.com/office/drawing/2010/main" xmlns="">
+              <a14:hiddenFill xmlns="" xmlns:a14="http://schemas.microsoft.com/office/drawing/2010/main">
                 <a:solidFill>
                   <a:srgbClr val="FFFFFF"/>
                 </a:solidFill>
               </a14:hiddenFill>
             </a:ext>
             <a:ext uri="{91240B29-F687-4f45-9708-019B960494DF}">
-              <a14:hiddenLine xmlns:a14="http://schemas.microsoft.com/office/drawing/2010/main" xmlns="" w="9525">
+              <a14:hiddenLine xmlns="" xmlns:a14="http://schemas.microsoft.com/office/drawing/2010/main" w="9525">
                 <a:solidFill>
                   <a:srgbClr val="000000"/>
                 </a:solidFill>
@@ -3358,7 +3358,7 @@
           <a:effectLst/>
           <a:extLst>
             <a:ext uri="{91240B29-F687-4f45-9708-019B960494DF}">
-              <a14:hiddenLine xmlns:a14="http://schemas.microsoft.com/office/drawing/2010/main" xmlns="" w="9525">
+              <a14:hiddenLine xmlns="" xmlns:a14="http://schemas.microsoft.com/office/drawing/2010/main" w="9525">
                 <a:solidFill>
                   <a:schemeClr val="tx1"/>
                 </a:solidFill>
@@ -3368,7 +3368,7 @@
               </a14:hiddenLine>
             </a:ext>
             <a:ext uri="{AF507438-7753-43e0-B8FC-AC1667EBCBE1}">
-              <a14:hiddenEffects xmlns:a14="http://schemas.microsoft.com/office/drawing/2010/main" xmlns="">
+              <a14:hiddenEffects xmlns="" xmlns:a14="http://schemas.microsoft.com/office/drawing/2010/main">
                 <a:effectLst>
                   <a:outerShdw dist="35921" dir="2700000" algn="ctr" rotWithShape="0">
                     <a:schemeClr val="bg2"/>
@@ -9353,6 +9353,36 @@
           </a:p>
         </p:txBody>
       </p:sp>
+      <p:pic>
+        <p:nvPicPr>
+          <p:cNvPr id="2" name="Grafik 1">
+            <a:extLst>
+              <a:ext uri="{FF2B5EF4-FFF2-40B4-BE49-F238E27FC236}">
+                <a16:creationId xmlns:a16="http://schemas.microsoft.com/office/drawing/2014/main" id="{CA6DC90E-3F67-4578-B3D8-DD926790AEA5}"/>
+              </a:ext>
+            </a:extLst>
+          </p:cNvPr>
+          <p:cNvPicPr>
+            <a:picLocks noChangeAspect="1"/>
+          </p:cNvPicPr>
+          <p:nvPr/>
+        </p:nvPicPr>
+        <p:blipFill>
+          <a:blip r:embed="rId2"/>
+          <a:stretch>
+            <a:fillRect/>
+          </a:stretch>
+        </p:blipFill>
+        <p:spPr>
+          <a:xfrm>
+            <a:off x="4014179" y="2283194"/>
+            <a:ext cx="4773242" cy="6588729"/>
+          </a:xfrm>
+          <a:prstGeom prst="rect">
+            <a:avLst/>
+          </a:prstGeom>
+        </p:spPr>
+      </p:pic>
     </p:spTree>
     <p:extLst>
       <p:ext uri="{BB962C8B-B14F-4D97-AF65-F5344CB8AC3E}">
@@ -10901,13 +10931,13 @@
   <p:clrMapOvr>
     <a:masterClrMapping/>
   </p:clrMapOvr>
-  <mc:AlternateContent xmlns:mc="http://schemas.openxmlformats.org/markup-compatibility/2006">
-    <mc:Choice xmlns:p14="http://schemas.microsoft.com/office/powerpoint/2010/main" Requires="p14">
+  <mc:AlternateContent xmlns:mc="http://schemas.openxmlformats.org/markup-compatibility/2006" xmlns:p14="http://schemas.microsoft.com/office/powerpoint/2010/main">
+    <mc:Choice Requires="p14">
       <p:transition spd="med" p14:dur="700">
         <p:fade/>
       </p:transition>
     </mc:Choice>
-    <mc:Fallback>
+    <mc:Fallback xmlns="">
       <p:transition spd="med">
         <p:fade/>
       </p:transition>
@@ -11807,13 +11837,13 @@
   <p:clrMapOvr>
     <a:masterClrMapping/>
   </p:clrMapOvr>
-  <mc:AlternateContent xmlns:mc="http://schemas.openxmlformats.org/markup-compatibility/2006">
-    <mc:Choice xmlns:p14="http://schemas.microsoft.com/office/powerpoint/2010/main" Requires="p14">
+  <mc:AlternateContent xmlns:mc="http://schemas.openxmlformats.org/markup-compatibility/2006" xmlns:p14="http://schemas.microsoft.com/office/powerpoint/2010/main">
+    <mc:Choice Requires="p14">
       <p:transition spd="med" p14:dur="700">
         <p:fade/>
       </p:transition>
     </mc:Choice>
-    <mc:Fallback>
+    <mc:Fallback xmlns="">
       <p:transition spd="med">
         <p:fade/>
       </p:transition>
